--- a/Rapport_Final_Application_CSharp.pptx
+++ b/Rapport_Final_Application_CSharp.pptx
@@ -140,10 +140,25 @@
   <pc:docChgLst>
     <pc:chgData name="Andy Lamothe-Futu" userId="4a1c9033-bbc6-40e8-a989-5aa5efd341b2" providerId="ADAL" clId="{3AF6C261-BDE9-4529-B308-A90BBA3FDE15}"/>
     <pc:docChg chg="custSel modSld">
-      <pc:chgData name="Andy Lamothe-Futu" userId="4a1c9033-bbc6-40e8-a989-5aa5efd341b2" providerId="ADAL" clId="{3AF6C261-BDE9-4529-B308-A90BBA3FDE15}" dt="2025-05-16T13:28:10.872" v="38" actId="20577"/>
+      <pc:chgData name="Andy Lamothe-Futu" userId="4a1c9033-bbc6-40e8-a989-5aa5efd341b2" providerId="ADAL" clId="{3AF6C261-BDE9-4529-B308-A90BBA3FDE15}" dt="2025-05-16T13:31:25.911" v="92" actId="20577"/>
       <pc:docMkLst>
         <pc:docMk/>
       </pc:docMkLst>
+      <pc:sldChg chg="modSp mod">
+        <pc:chgData name="Andy Lamothe-Futu" userId="4a1c9033-bbc6-40e8-a989-5aa5efd341b2" providerId="ADAL" clId="{3AF6C261-BDE9-4529-B308-A90BBA3FDE15}" dt="2025-05-16T13:31:25.911" v="92" actId="20577"/>
+        <pc:sldMkLst>
+          <pc:docMk/>
+          <pc:sldMk cId="0" sldId="258"/>
+        </pc:sldMkLst>
+        <pc:spChg chg="mod">
+          <ac:chgData name="Andy Lamothe-Futu" userId="4a1c9033-bbc6-40e8-a989-5aa5efd341b2" providerId="ADAL" clId="{3AF6C261-BDE9-4529-B308-A90BBA3FDE15}" dt="2025-05-16T13:31:25.911" v="92" actId="20577"/>
+          <ac:spMkLst>
+            <pc:docMk/>
+            <pc:sldMk cId="0" sldId="258"/>
+            <ac:spMk id="3" creationId="{00000000-0000-0000-0000-000000000000}"/>
+          </ac:spMkLst>
+        </pc:spChg>
+      </pc:sldChg>
       <pc:sldChg chg="modSp mod">
         <pc:chgData name="Andy Lamothe-Futu" userId="4a1c9033-bbc6-40e8-a989-5aa5efd341b2" providerId="ADAL" clId="{3AF6C261-BDE9-4529-B308-A90BBA3FDE15}" dt="2025-05-16T13:28:10.872" v="38" actId="20577"/>
         <pc:sldMkLst>
@@ -22750,37 +22765,37 @@
           <a:lstStyle/>
           <a:p>
             <a:r>
-              <a:rPr lang="fr-CA" sz="1700"/>
-              <a:t>Langage : C#</a:t>
+              <a:rPr lang="fr-CA" sz="1700" dirty="0"/>
+              <a:t>Langage : C# Langage de programmation</a:t>
             </a:r>
           </a:p>
           <a:p>
             <a:r>
-              <a:rPr lang="fr-CA" sz="1700"/>
-              <a:t>Framework : WPF</a:t>
+              <a:rPr lang="fr-CA" sz="1700" dirty="0"/>
+              <a:t>Framework : WPF Pour l’interface visuel</a:t>
             </a:r>
           </a:p>
           <a:p>
             <a:r>
-              <a:rPr lang="fr-CA" sz="1700"/>
+              <a:rPr lang="fr-CA" sz="1700" dirty="0"/>
               <a:t>Architecture : MVVM (MVVM Toolkit)</a:t>
             </a:r>
           </a:p>
           <a:p>
             <a:r>
-              <a:rPr lang="fr-CA" sz="1700"/>
+              <a:rPr lang="fr-CA" sz="1700" dirty="0"/>
               <a:t>Base de données : SQLite + DB Browser</a:t>
             </a:r>
           </a:p>
           <a:p>
             <a:r>
-              <a:rPr lang="fr-CA" sz="1700"/>
+              <a:rPr lang="fr-CA" sz="1700" dirty="0"/>
               <a:t>IDE : Visual Studio</a:t>
             </a:r>
           </a:p>
           <a:p>
             <a:r>
-              <a:rPr lang="fr-CA" sz="1700"/>
+              <a:rPr lang="fr-CA" sz="1700" dirty="0"/>
               <a:t>Gestion : GitHub, Trello, Discord</a:t>
             </a:r>
           </a:p>
@@ -23306,11 +23321,7 @@
           <a:p>
             <a:r>
               <a:rPr lang="fr-CA" sz="1700" dirty="0"/>
-              <a:t>Création de </a:t>
-            </a:r>
-            <a:r>
-              <a:rPr lang="fr-CA" sz="1700"/>
-              <a:t>comptes par l’admin</a:t>
+              <a:t>Création de comptes par l’admin</a:t>
             </a:r>
           </a:p>
         </p:txBody>
